--- a/doc/InstallForge.pptx
+++ b/doc/InstallForge.pptx
@@ -11550,6 +11550,86 @@
             <ac:spMk id="7" creationId="{100EE96B-99FC-44E8-9287-AAA23051C15B}"/>
           </ac:spMkLst>
         </pc:spChg>
+      </pc:sldChg>
+    </pc:docChg>
+  </pc:docChgLst>
+  <pc:docChgLst>
+    <pc:chgData name="Yu-Cheng Lin" userId="2281cbc768c9b62e" providerId="LiveId" clId="{9002DE8A-B705-4A0E-856C-C0A72975467E}"/>
+    <pc:docChg chg="addSld modSld">
+      <pc:chgData name="Yu-Cheng Lin" userId="2281cbc768c9b62e" providerId="LiveId" clId="{9002DE8A-B705-4A0E-856C-C0A72975467E}" dt="2020-12-31T02:43:58.221" v="1"/>
+      <pc:docMkLst>
+        <pc:docMk/>
+      </pc:docMkLst>
+      <pc:sldChg chg="addSp modSp new">
+        <pc:chgData name="Yu-Cheng Lin" userId="2281cbc768c9b62e" providerId="LiveId" clId="{9002DE8A-B705-4A0E-856C-C0A72975467E}" dt="2020-12-31T02:43:58.221" v="1"/>
+        <pc:sldMkLst>
+          <pc:docMk/>
+          <pc:sldMk cId="462434748" sldId="256"/>
+        </pc:sldMkLst>
+        <pc:spChg chg="mod">
+          <ac:chgData name="Yu-Cheng Lin" userId="2281cbc768c9b62e" providerId="LiveId" clId="{9002DE8A-B705-4A0E-856C-C0A72975467E}" dt="2020-12-31T02:43:58.221" v="1"/>
+          <ac:spMkLst>
+            <pc:docMk/>
+            <pc:sldMk cId="462434748" sldId="256"/>
+            <ac:spMk id="4" creationId="{F57418FD-8B34-4B27-920E-3D9C9C4B5767}"/>
+          </ac:spMkLst>
+        </pc:spChg>
+        <pc:spChg chg="mod">
+          <ac:chgData name="Yu-Cheng Lin" userId="2281cbc768c9b62e" providerId="LiveId" clId="{9002DE8A-B705-4A0E-856C-C0A72975467E}" dt="2020-12-31T02:43:58.221" v="1"/>
+          <ac:spMkLst>
+            <pc:docMk/>
+            <pc:sldMk cId="462434748" sldId="256"/>
+            <ac:spMk id="5" creationId="{D145CF39-D4DE-43AC-B0C3-9B230A4A54CE}"/>
+          </ac:spMkLst>
+        </pc:spChg>
+        <pc:spChg chg="mod">
+          <ac:chgData name="Yu-Cheng Lin" userId="2281cbc768c9b62e" providerId="LiveId" clId="{9002DE8A-B705-4A0E-856C-C0A72975467E}" dt="2020-12-31T02:43:58.221" v="1"/>
+          <ac:spMkLst>
+            <pc:docMk/>
+            <pc:sldMk cId="462434748" sldId="256"/>
+            <ac:spMk id="6" creationId="{55FF7F82-9660-4CF5-A30E-DCBA385DFCC3}"/>
+          </ac:spMkLst>
+        </pc:spChg>
+        <pc:spChg chg="mod">
+          <ac:chgData name="Yu-Cheng Lin" userId="2281cbc768c9b62e" providerId="LiveId" clId="{9002DE8A-B705-4A0E-856C-C0A72975467E}" dt="2020-12-31T02:43:58.221" v="1"/>
+          <ac:spMkLst>
+            <pc:docMk/>
+            <pc:sldMk cId="462434748" sldId="256"/>
+            <ac:spMk id="7" creationId="{88273162-3A4A-4887-9350-45CBFF606810}"/>
+          </ac:spMkLst>
+        </pc:spChg>
+        <pc:spChg chg="mod">
+          <ac:chgData name="Yu-Cheng Lin" userId="2281cbc768c9b62e" providerId="LiveId" clId="{9002DE8A-B705-4A0E-856C-C0A72975467E}" dt="2020-12-31T02:43:58.221" v="1"/>
+          <ac:spMkLst>
+            <pc:docMk/>
+            <pc:sldMk cId="462434748" sldId="256"/>
+            <ac:spMk id="8" creationId="{0A8847CD-7900-4FB2-A8DD-D72AF4FBAD03}"/>
+          </ac:spMkLst>
+        </pc:spChg>
+        <pc:spChg chg="mod">
+          <ac:chgData name="Yu-Cheng Lin" userId="2281cbc768c9b62e" providerId="LiveId" clId="{9002DE8A-B705-4A0E-856C-C0A72975467E}" dt="2020-12-31T02:43:58.221" v="1"/>
+          <ac:spMkLst>
+            <pc:docMk/>
+            <pc:sldMk cId="462434748" sldId="256"/>
+            <ac:spMk id="9" creationId="{FB091100-C5B1-4756-89A7-548631F9B72F}"/>
+          </ac:spMkLst>
+        </pc:spChg>
+        <pc:spChg chg="mod">
+          <ac:chgData name="Yu-Cheng Lin" userId="2281cbc768c9b62e" providerId="LiveId" clId="{9002DE8A-B705-4A0E-856C-C0A72975467E}" dt="2020-12-31T02:43:58.221" v="1"/>
+          <ac:spMkLst>
+            <pc:docMk/>
+            <pc:sldMk cId="462434748" sldId="256"/>
+            <ac:spMk id="10" creationId="{2D964596-471D-45DF-ABC0-1D57A40F85CE}"/>
+          </ac:spMkLst>
+        </pc:spChg>
+        <pc:grpChg chg="add mod">
+          <ac:chgData name="Yu-Cheng Lin" userId="2281cbc768c9b62e" providerId="LiveId" clId="{9002DE8A-B705-4A0E-856C-C0A72975467E}" dt="2020-12-31T02:43:58.221" v="1"/>
+          <ac:grpSpMkLst>
+            <pc:docMk/>
+            <pc:sldMk cId="462434748" sldId="256"/>
+            <ac:grpSpMk id="3" creationId="{D917293A-F08D-40EF-807C-F101A0F843F9}"/>
+          </ac:grpSpMkLst>
+        </pc:grpChg>
       </pc:sldChg>
     </pc:docChg>
   </pc:docChgLst>
@@ -15107,86 +15187,6 @@
           </pc:sldLayoutMkLst>
         </pc:sldLayoutChg>
       </pc:sldMasterChg>
-    </pc:docChg>
-  </pc:docChgLst>
-  <pc:docChgLst>
-    <pc:chgData name="Yu-Cheng Lin" userId="2281cbc768c9b62e" providerId="LiveId" clId="{9002DE8A-B705-4A0E-856C-C0A72975467E}"/>
-    <pc:docChg chg="addSld modSld">
-      <pc:chgData name="Yu-Cheng Lin" userId="2281cbc768c9b62e" providerId="LiveId" clId="{9002DE8A-B705-4A0E-856C-C0A72975467E}" dt="2020-12-31T02:43:58.221" v="1"/>
-      <pc:docMkLst>
-        <pc:docMk/>
-      </pc:docMkLst>
-      <pc:sldChg chg="addSp modSp new">
-        <pc:chgData name="Yu-Cheng Lin" userId="2281cbc768c9b62e" providerId="LiveId" clId="{9002DE8A-B705-4A0E-856C-C0A72975467E}" dt="2020-12-31T02:43:58.221" v="1"/>
-        <pc:sldMkLst>
-          <pc:docMk/>
-          <pc:sldMk cId="462434748" sldId="256"/>
-        </pc:sldMkLst>
-        <pc:spChg chg="mod">
-          <ac:chgData name="Yu-Cheng Lin" userId="2281cbc768c9b62e" providerId="LiveId" clId="{9002DE8A-B705-4A0E-856C-C0A72975467E}" dt="2020-12-31T02:43:58.221" v="1"/>
-          <ac:spMkLst>
-            <pc:docMk/>
-            <pc:sldMk cId="462434748" sldId="256"/>
-            <ac:spMk id="4" creationId="{F57418FD-8B34-4B27-920E-3D9C9C4B5767}"/>
-          </ac:spMkLst>
-        </pc:spChg>
-        <pc:spChg chg="mod">
-          <ac:chgData name="Yu-Cheng Lin" userId="2281cbc768c9b62e" providerId="LiveId" clId="{9002DE8A-B705-4A0E-856C-C0A72975467E}" dt="2020-12-31T02:43:58.221" v="1"/>
-          <ac:spMkLst>
-            <pc:docMk/>
-            <pc:sldMk cId="462434748" sldId="256"/>
-            <ac:spMk id="5" creationId="{D145CF39-D4DE-43AC-B0C3-9B230A4A54CE}"/>
-          </ac:spMkLst>
-        </pc:spChg>
-        <pc:spChg chg="mod">
-          <ac:chgData name="Yu-Cheng Lin" userId="2281cbc768c9b62e" providerId="LiveId" clId="{9002DE8A-B705-4A0E-856C-C0A72975467E}" dt="2020-12-31T02:43:58.221" v="1"/>
-          <ac:spMkLst>
-            <pc:docMk/>
-            <pc:sldMk cId="462434748" sldId="256"/>
-            <ac:spMk id="6" creationId="{55FF7F82-9660-4CF5-A30E-DCBA385DFCC3}"/>
-          </ac:spMkLst>
-        </pc:spChg>
-        <pc:spChg chg="mod">
-          <ac:chgData name="Yu-Cheng Lin" userId="2281cbc768c9b62e" providerId="LiveId" clId="{9002DE8A-B705-4A0E-856C-C0A72975467E}" dt="2020-12-31T02:43:58.221" v="1"/>
-          <ac:spMkLst>
-            <pc:docMk/>
-            <pc:sldMk cId="462434748" sldId="256"/>
-            <ac:spMk id="7" creationId="{88273162-3A4A-4887-9350-45CBFF606810}"/>
-          </ac:spMkLst>
-        </pc:spChg>
-        <pc:spChg chg="mod">
-          <ac:chgData name="Yu-Cheng Lin" userId="2281cbc768c9b62e" providerId="LiveId" clId="{9002DE8A-B705-4A0E-856C-C0A72975467E}" dt="2020-12-31T02:43:58.221" v="1"/>
-          <ac:spMkLst>
-            <pc:docMk/>
-            <pc:sldMk cId="462434748" sldId="256"/>
-            <ac:spMk id="8" creationId="{0A8847CD-7900-4FB2-A8DD-D72AF4FBAD03}"/>
-          </ac:spMkLst>
-        </pc:spChg>
-        <pc:spChg chg="mod">
-          <ac:chgData name="Yu-Cheng Lin" userId="2281cbc768c9b62e" providerId="LiveId" clId="{9002DE8A-B705-4A0E-856C-C0A72975467E}" dt="2020-12-31T02:43:58.221" v="1"/>
-          <ac:spMkLst>
-            <pc:docMk/>
-            <pc:sldMk cId="462434748" sldId="256"/>
-            <ac:spMk id="9" creationId="{FB091100-C5B1-4756-89A7-548631F9B72F}"/>
-          </ac:spMkLst>
-        </pc:spChg>
-        <pc:spChg chg="mod">
-          <ac:chgData name="Yu-Cheng Lin" userId="2281cbc768c9b62e" providerId="LiveId" clId="{9002DE8A-B705-4A0E-856C-C0A72975467E}" dt="2020-12-31T02:43:58.221" v="1"/>
-          <ac:spMkLst>
-            <pc:docMk/>
-            <pc:sldMk cId="462434748" sldId="256"/>
-            <ac:spMk id="10" creationId="{2D964596-471D-45DF-ABC0-1D57A40F85CE}"/>
-          </ac:spMkLst>
-        </pc:spChg>
-        <pc:grpChg chg="add mod">
-          <ac:chgData name="Yu-Cheng Lin" userId="2281cbc768c9b62e" providerId="LiveId" clId="{9002DE8A-B705-4A0E-856C-C0A72975467E}" dt="2020-12-31T02:43:58.221" v="1"/>
-          <ac:grpSpMkLst>
-            <pc:docMk/>
-            <pc:sldMk cId="462434748" sldId="256"/>
-            <ac:grpSpMk id="3" creationId="{D917293A-F08D-40EF-807C-F101A0F843F9}"/>
-          </ac:grpSpMkLst>
-        </pc:grpChg>
-      </pc:sldChg>
     </pc:docChg>
   </pc:docChgLst>
   <pc:docChgLst>
@@ -38527,9 +38527,9 @@
         <p:grpSpPr>
           <a:xfrm>
             <a:off x="5136249" y="2785107"/>
-            <a:ext cx="4820120" cy="503530"/>
+            <a:ext cx="2574515" cy="503530"/>
             <a:chOff x="5136249" y="2785107"/>
-            <a:chExt cx="4820120" cy="503530"/>
+            <a:chExt cx="2574515" cy="503530"/>
           </a:xfrm>
         </p:grpSpPr>
         <p:sp>
@@ -38666,8 +38666,8 @@
           </p:nvSpPr>
           <p:spPr>
             <a:xfrm>
-              <a:off x="5620246" y="2852612"/>
-              <a:ext cx="4336123" cy="369332"/>
+              <a:off x="5533886" y="2944945"/>
+              <a:ext cx="2176878" cy="184666"/>
             </a:xfrm>
             <a:prstGeom prst="rect">
               <a:avLst/>
@@ -38691,20 +38691,7 @@
                   <a:latin typeface="Arial" panose="020B0604020202020204" pitchFamily="34" charset="0"/>
                   <a:cs typeface="Arial" panose="020B0604020202020204" pitchFamily="34" charset="0"/>
                 </a:rPr>
-                <a:t>Sometimes may need to tweak this to make the packaging work</a:t>
-              </a:r>
-            </a:p>
-            <a:p>
-              <a:pPr algn="l"/>
-              <a:r>
-                <a:rPr lang="en-US" sz="1200" dirty="0">
-                  <a:solidFill>
-                    <a:srgbClr val="FF0000"/>
-                  </a:solidFill>
-                  <a:latin typeface="Arial" panose="020B0604020202020204" pitchFamily="34" charset="0"/>
-                  <a:cs typeface="Arial" panose="020B0604020202020204" pitchFamily="34" charset="0"/>
-                </a:rPr>
-                <a:t>Microsoft Defender throws antivirus warning at times</a:t>
+                <a:t>Probably don’t matter that much</a:t>
               </a:r>
             </a:p>
           </p:txBody>
@@ -38724,10 +38711,10 @@
         </p:nvGrpSpPr>
         <p:grpSpPr>
           <a:xfrm>
-            <a:off x="2828838" y="779267"/>
-            <a:ext cx="480901" cy="452037"/>
-            <a:chOff x="2828838" y="779267"/>
-            <a:chExt cx="480901" cy="452037"/>
+            <a:off x="1136880" y="779267"/>
+            <a:ext cx="3864840" cy="821369"/>
+            <a:chOff x="1136880" y="779267"/>
+            <a:chExt cx="3864840" cy="821369"/>
           </a:xfrm>
         </p:grpSpPr>
         <p:sp>
@@ -38804,8 +38791,8 @@
           </p:nvSpPr>
           <p:spPr>
             <a:xfrm>
-              <a:off x="2828838" y="1046638"/>
-              <a:ext cx="480901" cy="184666"/>
+              <a:off x="1136880" y="1046638"/>
+              <a:ext cx="3864840" cy="553998"/>
             </a:xfrm>
             <a:prstGeom prst="rect">
               <a:avLst/>
@@ -38815,21 +38802,99 @@
             </a:solidFill>
           </p:spPr>
           <p:txBody>
-            <a:bodyPr wrap="none" lIns="0" tIns="0" rIns="0" bIns="0" rtlCol="0" anchor="ctr">
+            <a:bodyPr wrap="none" lIns="0" tIns="0" rIns="0" bIns="0" rtlCol="0" anchor="t">
               <a:spAutoFit/>
             </a:bodyPr>
             <a:lstStyle/>
             <a:p>
               <a:pPr algn="ctr"/>
               <a:r>
-                <a:rPr lang="en-US" sz="1200" b="1" dirty="0">
+                <a:rPr lang="en-US" sz="1200" dirty="0">
                   <a:solidFill>
                     <a:srgbClr val="FF0000"/>
                   </a:solidFill>
                   <a:latin typeface="Arial" panose="020B0604020202020204" pitchFamily="34" charset="0"/>
                   <a:cs typeface="Arial" panose="020B0604020202020204" pitchFamily="34" charset="0"/>
                 </a:rPr>
-                <a:t>Build !</a:t>
+                <a:t>Disable antivirus software (e.g. Windows Security),</a:t>
+              </a:r>
+              <a:br>
+                <a:rPr lang="en-US" sz="1200" dirty="0">
+                  <a:solidFill>
+                    <a:srgbClr val="FF0000"/>
+                  </a:solidFill>
+                  <a:latin typeface="Arial" panose="020B0604020202020204" pitchFamily="34" charset="0"/>
+                  <a:cs typeface="Arial" panose="020B0604020202020204" pitchFamily="34" charset="0"/>
+                </a:rPr>
+              </a:br>
+              <a:r>
+                <a:rPr lang="en-US" sz="1200" dirty="0">
+                  <a:solidFill>
+                    <a:srgbClr val="FF0000"/>
+                  </a:solidFill>
+                  <a:latin typeface="Arial" panose="020B0604020202020204" pitchFamily="34" charset="0"/>
+                  <a:cs typeface="Arial" panose="020B0604020202020204" pitchFamily="34" charset="0"/>
+                </a:rPr>
+                <a:t>as </a:t>
+              </a:r>
+              <a:r>
+                <a:rPr lang="en-US" sz="1200" dirty="0" err="1">
+                  <a:solidFill>
+                    <a:srgbClr val="FF0000"/>
+                  </a:solidFill>
+                  <a:latin typeface="Arial" panose="020B0604020202020204" pitchFamily="34" charset="0"/>
+                  <a:cs typeface="Arial" panose="020B0604020202020204" pitchFamily="34" charset="0"/>
+                </a:rPr>
+                <a:t>InstallForge</a:t>
+              </a:r>
+              <a:r>
+                <a:rPr lang="en-US" sz="1200" dirty="0">
+                  <a:solidFill>
+                    <a:srgbClr val="FF0000"/>
+                  </a:solidFill>
+                  <a:latin typeface="Arial" panose="020B0604020202020204" pitchFamily="34" charset="0"/>
+                  <a:cs typeface="Arial" panose="020B0604020202020204" pitchFamily="34" charset="0"/>
+                </a:rPr>
+                <a:t> may trigger some false positive warnings,</a:t>
+              </a:r>
+              <a:br>
+                <a:rPr lang="en-US" sz="1200" dirty="0">
+                  <a:solidFill>
+                    <a:srgbClr val="FF0000"/>
+                  </a:solidFill>
+                  <a:latin typeface="Arial" panose="020B0604020202020204" pitchFamily="34" charset="0"/>
+                  <a:cs typeface="Arial" panose="020B0604020202020204" pitchFamily="34" charset="0"/>
+                </a:rPr>
+              </a:br>
+              <a:r>
+                <a:rPr lang="en-US" sz="1200" dirty="0">
+                  <a:solidFill>
+                    <a:srgbClr val="FF0000"/>
+                  </a:solidFill>
+                  <a:latin typeface="Arial" panose="020B0604020202020204" pitchFamily="34" charset="0"/>
+                  <a:cs typeface="Arial" panose="020B0604020202020204" pitchFamily="34" charset="0"/>
+                </a:rPr>
+                <a:t>such as “Win32/</a:t>
+              </a:r>
+              <a:r>
+                <a:rPr lang="en-US" sz="1200" dirty="0" err="1">
+                  <a:solidFill>
+                    <a:srgbClr val="FF0000"/>
+                  </a:solidFill>
+                  <a:latin typeface="Arial" panose="020B0604020202020204" pitchFamily="34" charset="0"/>
+                  <a:cs typeface="Arial" panose="020B0604020202020204" pitchFamily="34" charset="0"/>
+                </a:rPr>
+                <a:t>Wacatac.B!ml</a:t>
+              </a:r>
+              <a:r>
+                <a:rPr lang="en-US" sz="1200" dirty="0">
+                  <a:solidFill>
+                    <a:srgbClr val="FF0000"/>
+                  </a:solidFill>
+                  <a:latin typeface="Arial" panose="020B0604020202020204" pitchFamily="34" charset="0"/>
+                  <a:cs typeface="Arial" panose="020B0604020202020204" pitchFamily="34" charset="0"/>
+                </a:rPr>
+                <a:t>”</a:t>
               </a:r>
             </a:p>
           </p:txBody>
